--- a/2015-09-02 NDDNUG/Barcz-Business-Of-Software-2015-09-02.pptx
+++ b/2015-09-02 NDDNUG/Barcz-Business-Of-Software-2015-09-02.pptx
@@ -5,10 +5,10 @@
     <p:sldMasterId id="2147483648" r:id="rId1"/>
   </p:sldMasterIdLst>
   <p:notesMasterIdLst>
-    <p:notesMasterId r:id="rId50"/>
+    <p:notesMasterId r:id="rId51"/>
   </p:notesMasterIdLst>
   <p:handoutMasterIdLst>
-    <p:handoutMasterId r:id="rId51"/>
+    <p:handoutMasterId r:id="rId52"/>
   </p:handoutMasterIdLst>
   <p:sldIdLst>
     <p:sldId id="256" r:id="rId2"/>
@@ -59,11 +59,12 @@
     <p:sldId id="286" r:id="rId47"/>
     <p:sldId id="291" r:id="rId48"/>
     <p:sldId id="259" r:id="rId49"/>
+    <p:sldId id="321" r:id="rId50"/>
   </p:sldIdLst>
   <p:sldSz cx="9144000" cy="6858000" type="screen4x3"/>
   <p:notesSz cx="7010400" cy="9296400"/>
   <p:custDataLst>
-    <p:tags r:id="rId52"/>
+    <p:tags r:id="rId53"/>
   </p:custDataLst>
   <p:defaultTextStyle>
     <a:defPPr>
@@ -259,6 +260,7 @@
         <p14:section name="Resources" id="{7ED6FDDF-B974-4DF9-9040-0341548727AA}">
           <p14:sldIdLst>
             <p14:sldId id="259"/>
+            <p14:sldId id="321"/>
           </p14:sldIdLst>
         </p14:section>
       </p14:sectionLst>
@@ -6121,7 +6123,7 @@
                 <a:tabLst/>
                 <a:defRPr/>
               </a:pPr>
-              <a:t>September 1, 2015</a:t>
+              <a:t>September 2, 2015</a:t>
             </a:fld>
             <a:r>
               <a:rPr kumimoji="0" lang="en-US" sz="1200" b="1" i="0" u="none" strike="noStrike" kern="1200" cap="none" spc="0" normalizeH="0" baseline="0" noProof="0" dirty="0" smtClean="0">
@@ -6266,25 +6268,6 @@
               <a:tabLst/>
               <a:defRPr/>
             </a:pPr>
-            <a:r>
-              <a:rPr kumimoji="0" lang="en-US" sz="1200" b="1" i="0" u="none" strike="noStrike" kern="1200" cap="none" spc="0" normalizeH="0" baseline="0" noProof="0" dirty="0" smtClean="0">
-                <a:ln>
-                  <a:noFill/>
-                </a:ln>
-                <a:solidFill>
-                  <a:schemeClr val="bg1">
-                    <a:lumMod val="75000"/>
-                  </a:schemeClr>
-                </a:solidFill>
-                <a:effectLst/>
-                <a:uLnTx/>
-                <a:uFillTx/>
-                <a:latin typeface="Calibri" pitchFamily="34" charset="0"/>
-                <a:ea typeface="Arial" charset="0"/>
-                <a:cs typeface="Arial" charset="0"/>
-              </a:rPr>
-              <a:t>Privileged and Confidential. © 2015.</a:t>
-            </a:r>
             <a:endParaRPr kumimoji="0" lang="en-US" sz="1200" b="1" i="0" u="none" strike="noStrike" kern="1200" cap="none" spc="0" normalizeH="0" baseline="0" noProof="0" dirty="0">
               <a:ln>
                 <a:noFill/>
@@ -6915,7 +6898,6 @@
               <a:rPr lang="en-US" dirty="0" smtClean="0"/>
               <a:t>Net Income</a:t>
             </a:r>
-            <a:endParaRPr lang="en-US" dirty="0" smtClean="0"/>
           </a:p>
           <a:p>
             <a:pPr marL="342900" indent="-342900">
@@ -6924,11 +6906,7 @@
             </a:pPr>
             <a:r>
               <a:rPr lang="en-US" dirty="0" smtClean="0"/>
-              <a:t>Payback </a:t>
-            </a:r>
-            <a:r>
-              <a:rPr lang="en-US" dirty="0" smtClean="0"/>
-              <a:t>time</a:t>
+              <a:t>Payback time</a:t>
             </a:r>
           </a:p>
           <a:p>
@@ -6969,11 +6947,7 @@
             </a:pPr>
             <a:r>
               <a:rPr lang="en-US" dirty="0" smtClean="0"/>
-              <a:t>Internal Rate of Return (IRR</a:t>
-            </a:r>
-            <a:r>
-              <a:rPr lang="en-US" dirty="0" smtClean="0"/>
-              <a:t>)</a:t>
+              <a:t>Internal Rate of Return (IRR)</a:t>
             </a:r>
             <a:endParaRPr lang="en-US" dirty="0"/>
           </a:p>
@@ -10580,8 +10554,17 @@
           <a:p>
             <a:r>
               <a:rPr lang="en-US" i="1" dirty="0" smtClean="0"/>
-              <a:t>“When making an investment decision, if the internal rate of return (IRR) is greater than the hurdle rate the project should . Choosing this alternative is equivalent to receiving its NPV in cash today”</a:t>
-            </a:r>
+              <a:t>“When making an investment decision, if the internal rate of return (IRR) is greater than the hurdle rate the project should </a:t>
+            </a:r>
+            <a:r>
+              <a:rPr lang="en-US" i="1" dirty="0" smtClean="0"/>
+              <a:t>chosen</a:t>
+            </a:r>
+            <a:r>
+              <a:rPr lang="en-US" i="1" dirty="0" smtClean="0"/>
+              <a:t>.”</a:t>
+            </a:r>
+            <a:endParaRPr lang="en-US" i="1" dirty="0" smtClean="0"/>
           </a:p>
           <a:p>
             <a:endParaRPr lang="en-US" i="1" dirty="0"/>
@@ -12732,11 +12715,7 @@
           <a:p>
             <a:r>
               <a:rPr lang="en-US" b="0" dirty="0" smtClean="0"/>
-              <a:t>Past</a:t>
-            </a:r>
-            <a:r>
-              <a:rPr lang="en-US" b="0" dirty="0" smtClean="0"/>
-              <a:t>:</a:t>
+              <a:t>Past:</a:t>
             </a:r>
           </a:p>
           <a:p>
@@ -17022,11 +17001,7 @@
           <a:p>
             <a:r>
               <a:rPr lang="en-US" b="0" dirty="0" smtClean="0"/>
-              <a:t>Is </a:t>
-            </a:r>
-            <a:r>
-              <a:rPr lang="en-US" b="0" dirty="0" smtClean="0"/>
-              <a:t>the organizing logic for business processes and IT infrastructure reflecting the integration and standardization requirement of the company’s operating model. The enterprise architecture provides a long-term view of a company’s processes, systems, and technologies so that individual projects can build capabilities – not just fulfill immediate needs.</a:t>
+              <a:t>Is the organizing logic for business processes and IT infrastructure reflecting the integration and standardization requirement of the company’s operating model. The enterprise architecture provides a long-term view of a company’s processes, systems, and technologies so that individual projects can build capabilities – not just fulfill immediate needs.</a:t>
             </a:r>
           </a:p>
           <a:p>
@@ -17938,6 +17913,102 @@
     <p:extLst>
       <p:ext uri="{BB962C8B-B14F-4D97-AF65-F5344CB8AC3E}">
         <p14:creationId xmlns:p14="http://schemas.microsoft.com/office/powerpoint/2010/main" val="950379751"/>
+      </p:ext>
+    </p:extLst>
+  </p:cSld>
+  <p:clrMapOvr>
+    <a:masterClrMapping/>
+  </p:clrMapOvr>
+  <p:timing>
+    <p:tnLst>
+      <p:par>
+        <p:cTn id="1" dur="indefinite" restart="never" nodeType="tmRoot"/>
+      </p:par>
+    </p:tnLst>
+  </p:timing>
+</p:sld>
+</file>
+
+<file path=ppt/slides/slide49.xml><?xml version="1.0" encoding="utf-8"?>
+<p:sld xmlns:a="http://schemas.openxmlformats.org/drawingml/2006/main" xmlns:r="http://schemas.openxmlformats.org/officeDocument/2006/relationships" xmlns:p="http://schemas.openxmlformats.org/presentationml/2006/main">
+  <p:cSld>
+    <p:spTree>
+      <p:nvGrpSpPr>
+        <p:cNvPr id="1" name=""/>
+        <p:cNvGrpSpPr/>
+        <p:nvPr/>
+      </p:nvGrpSpPr>
+      <p:grpSpPr>
+        <a:xfrm>
+          <a:off x="0" y="0"/>
+          <a:ext cx="0" cy="0"/>
+          <a:chOff x="0" y="0"/>
+          <a:chExt cx="0" cy="0"/>
+        </a:xfrm>
+      </p:grpSpPr>
+      <p:sp>
+        <p:nvSpPr>
+          <p:cNvPr id="2" name="Title 1"/>
+          <p:cNvSpPr>
+            <a:spLocks noGrp="1"/>
+          </p:cNvSpPr>
+          <p:nvPr>
+            <p:ph type="title"/>
+          </p:nvPr>
+        </p:nvSpPr>
+        <p:spPr/>
+        <p:txBody>
+          <a:bodyPr/>
+          <a:lstStyle/>
+          <a:p>
+            <a:r>
+              <a:rPr lang="en-US" dirty="0" smtClean="0"/>
+              <a:t>Stay in Touch</a:t>
+            </a:r>
+            <a:endParaRPr lang="en-US" dirty="0"/>
+          </a:p>
+        </p:txBody>
+      </p:sp>
+      <p:sp>
+        <p:nvSpPr>
+          <p:cNvPr id="3" name="Content Placeholder 2"/>
+          <p:cNvSpPr>
+            <a:spLocks noGrp="1"/>
+          </p:cNvSpPr>
+          <p:nvPr>
+            <p:ph idx="1"/>
+          </p:nvPr>
+        </p:nvSpPr>
+        <p:spPr/>
+        <p:txBody>
+          <a:bodyPr/>
+          <a:lstStyle/>
+          <a:p>
+            <a:pPr algn="ctr"/>
+            <a:r>
+              <a:rPr lang="en-US" dirty="0"/>
+              <a:t>Twitter: @</a:t>
+            </a:r>
+            <a:r>
+              <a:rPr lang="en-US" dirty="0" err="1" smtClean="0"/>
+              <a:t>timbarcz</a:t>
+            </a:r>
+            <a:endParaRPr lang="en-US" dirty="0" smtClean="0"/>
+          </a:p>
+          <a:p>
+            <a:pPr algn="ctr"/>
+            <a:r>
+              <a:rPr lang="en-US" dirty="0" smtClean="0"/>
+              <a:t>Email: tim.barcz@magretailgroup.com</a:t>
+            </a:r>
+            <a:endParaRPr lang="en-US" dirty="0"/>
+          </a:p>
+        </p:txBody>
+      </p:sp>
+    </p:spTree>
+    <p:extLst>
+      <p:ext uri="{BB962C8B-B14F-4D97-AF65-F5344CB8AC3E}">
+        <p14:creationId xmlns:p14="http://schemas.microsoft.com/office/powerpoint/2010/main" val="516212080"/>
       </p:ext>
     </p:extLst>
   </p:cSld>

--- a/2015-09-02 NDDNUG/Barcz-Business-Of-Software-2015-09-02.pptx
+++ b/2015-09-02 NDDNUG/Barcz-Business-Of-Software-2015-09-02.pptx
@@ -2345,7 +2345,19 @@
             </a:r>
             <a:r>
               <a:rPr lang="en-US" baseline="0" dirty="0" smtClean="0"/>
-              <a:t> business does hinges around these concepts to some degree. The software we right adds some value somewhere, cuts some costs via automation or unlocks new sales. This is how the business speaks.</a:t>
+              <a:t> business does hinges around these concepts to some degree. The software </a:t>
+            </a:r>
+            <a:r>
+              <a:rPr lang="en-US" baseline="0" smtClean="0"/>
+              <a:t>we </a:t>
+            </a:r>
+            <a:r>
+              <a:rPr lang="en-US" baseline="0" smtClean="0"/>
+              <a:t>write adds </a:t>
+            </a:r>
+            <a:r>
+              <a:rPr lang="en-US" baseline="0" dirty="0" smtClean="0"/>
+              <a:t>some value somewhere, cuts some costs via automation or unlocks new sales. This is how the business speaks.</a:t>
             </a:r>
             <a:endParaRPr lang="en-US" dirty="0"/>
           </a:p>
@@ -10554,17 +10566,8 @@
           <a:p>
             <a:r>
               <a:rPr lang="en-US" i="1" dirty="0" smtClean="0"/>
-              <a:t>“When making an investment decision, if the internal rate of return (IRR) is greater than the hurdle rate the project should </a:t>
-            </a:r>
-            <a:r>
-              <a:rPr lang="en-US" i="1" dirty="0" smtClean="0"/>
-              <a:t>chosen</a:t>
-            </a:r>
-            <a:r>
-              <a:rPr lang="en-US" i="1" dirty="0" smtClean="0"/>
-              <a:t>.”</a:t>
-            </a:r>
-            <a:endParaRPr lang="en-US" i="1" dirty="0" smtClean="0"/>
+              <a:t>“When making an investment decision, if the internal rate of return (IRR) is greater than the hurdle rate the project should chosen.”</a:t>
+            </a:r>
           </a:p>
           <a:p>
             <a:endParaRPr lang="en-US" i="1" dirty="0"/>
